--- a/ShapeCrawler.Tests/Resource/autoshape/autoshape-case011_save-as-png.pptx
+++ b/ShapeCrawler.Tests/Resource/autoshape/autoshape-case011_save-as-png.pptx
@@ -3323,7 +3323,7 @@
       </p:grpSpPr>
       <p:sp>
         <p:nvSpPr>
-          <p:cNvPr id="4" name="Rectangle 3">
+          <p:cNvPr id="4" name="AutoShape 1">
             <a:extLst>
               <a:ext uri="{FF2B5EF4-FFF2-40B4-BE49-F238E27FC236}">
                 <a16:creationId xmlns:a16="http://schemas.microsoft.com/office/drawing/2014/main" id="{5218E509-2FCD-E030-A241-2CB673B4505F}"/>
@@ -3376,6 +3376,65 @@
                 </a:solidFill>
               </a:rPr>
               <a:t>AutoShape 1</a:t>
+            </a:r>
+          </a:p>
+        </p:txBody>
+      </p:sp>
+      <p:sp>
+        <p:nvSpPr>
+          <p:cNvPr id="6" name="AutoShape 2">
+            <a:extLst>
+              <a:ext uri="{FF2B5EF4-FFF2-40B4-BE49-F238E27FC236}">
+                <a16:creationId xmlns:a16="http://schemas.microsoft.com/office/drawing/2014/main" id="{308BC320-582B-30A8-08E9-936A99C33F02}"/>
+              </a:ext>
+            </a:extLst>
+          </p:cNvPr>
+          <p:cNvSpPr/>
+          <p:nvPr/>
+        </p:nvSpPr>
+        <p:spPr>
+          <a:xfrm>
+            <a:off x="2622766" y="721453"/>
+            <a:ext cx="1663763" cy="489283"/>
+          </a:xfrm>
+          <a:prstGeom prst="ellipse">
+            <a:avLst/>
+          </a:prstGeom>
+          <a:noFill/>
+          <a:ln>
+            <a:solidFill>
+              <a:schemeClr val="tx1"/>
+            </a:solidFill>
+          </a:ln>
+        </p:spPr>
+        <p:style>
+          <a:lnRef idx="2">
+            <a:schemeClr val="accent1">
+              <a:shade val="50000"/>
+            </a:schemeClr>
+          </a:lnRef>
+          <a:fillRef idx="1">
+            <a:schemeClr val="accent1"/>
+          </a:fillRef>
+          <a:effectRef idx="0">
+            <a:schemeClr val="accent1"/>
+          </a:effectRef>
+          <a:fontRef idx="minor">
+            <a:schemeClr val="lt1"/>
+          </a:fontRef>
+        </p:style>
+        <p:txBody>
+          <a:bodyPr rtlCol="0" anchor="ctr"/>
+          <a:lstStyle/>
+          <a:p>
+            <a:pPr algn="ctr"/>
+            <a:r>
+              <a:rPr lang="en-US" sz="1400" dirty="0">
+                <a:solidFill>
+                  <a:schemeClr val="tx1"/>
+                </a:solidFill>
+              </a:rPr>
+              <a:t>AutoShape 2</a:t>
             </a:r>
           </a:p>
         </p:txBody>

--- a/ShapeCrawler.Tests/Resource/autoshape/autoshape-case011_save-as-png.pptx
+++ b/ShapeCrawler.Tests/Resource/autoshape/autoshape-case011_save-as-png.pptx
@@ -104,6 +104,11 @@
       </a:defRPr>
     </a:lvl9pPr>
   </p:defaultTextStyle>
+  <p:extLst>
+    <p:ext uri="{EFAFB233-063F-42B5-8137-9DF3F51BA10A}">
+      <p15:sldGuideLst xmlns:p15="http://schemas.microsoft.com/office/powerpoint/2012/main"/>
+    </p:ext>
+  </p:extLst>
 </p:presentation>
 </file>
 
@@ -254,7 +259,7 @@
           <a:p>
             <a:fld id="{60AF4ECC-379A-40CF-95FC-6E111FF4CE56}" type="datetimeFigureOut">
               <a:rPr lang="en-US" smtClean="0"/>
-              <a:t>11/4/2022</a:t>
+              <a:t>12/25/2022</a:t>
             </a:fld>
             <a:endParaRPr lang="en-US"/>
           </a:p>
@@ -308,7 +313,7 @@
           <a:p>
             <a:fld id="{5A136E18-8F50-4E0F-819B-B69861FC7140}" type="slidenum">
               <a:rPr lang="en-US" smtClean="0"/>
-              <a:t>‹#›</a:t>
+              <a:t>‹Nr.›</a:t>
             </a:fld>
             <a:endParaRPr lang="en-US"/>
           </a:p>
@@ -452,7 +457,7 @@
           <a:p>
             <a:fld id="{60AF4ECC-379A-40CF-95FC-6E111FF4CE56}" type="datetimeFigureOut">
               <a:rPr lang="en-US" smtClean="0"/>
-              <a:t>11/4/2022</a:t>
+              <a:t>12/25/2022</a:t>
             </a:fld>
             <a:endParaRPr lang="en-US"/>
           </a:p>
@@ -506,7 +511,7 @@
           <a:p>
             <a:fld id="{5A136E18-8F50-4E0F-819B-B69861FC7140}" type="slidenum">
               <a:rPr lang="en-US" smtClean="0"/>
-              <a:t>‹#›</a:t>
+              <a:t>‹Nr.›</a:t>
             </a:fld>
             <a:endParaRPr lang="en-US"/>
           </a:p>
@@ -660,7 +665,7 @@
           <a:p>
             <a:fld id="{60AF4ECC-379A-40CF-95FC-6E111FF4CE56}" type="datetimeFigureOut">
               <a:rPr lang="en-US" smtClean="0"/>
-              <a:t>11/4/2022</a:t>
+              <a:t>12/25/2022</a:t>
             </a:fld>
             <a:endParaRPr lang="en-US"/>
           </a:p>
@@ -714,7 +719,7 @@
           <a:p>
             <a:fld id="{5A136E18-8F50-4E0F-819B-B69861FC7140}" type="slidenum">
               <a:rPr lang="en-US" smtClean="0"/>
-              <a:t>‹#›</a:t>
+              <a:t>‹Nr.›</a:t>
             </a:fld>
             <a:endParaRPr lang="en-US"/>
           </a:p>
@@ -858,7 +863,7 @@
           <a:p>
             <a:fld id="{60AF4ECC-379A-40CF-95FC-6E111FF4CE56}" type="datetimeFigureOut">
               <a:rPr lang="en-US" smtClean="0"/>
-              <a:t>11/4/2022</a:t>
+              <a:t>12/25/2022</a:t>
             </a:fld>
             <a:endParaRPr lang="en-US"/>
           </a:p>
@@ -912,7 +917,7 @@
           <a:p>
             <a:fld id="{5A136E18-8F50-4E0F-819B-B69861FC7140}" type="slidenum">
               <a:rPr lang="en-US" smtClean="0"/>
-              <a:t>‹#›</a:t>
+              <a:t>‹Nr.›</a:t>
             </a:fld>
             <a:endParaRPr lang="en-US"/>
           </a:p>
@@ -1133,7 +1138,7 @@
           <a:p>
             <a:fld id="{60AF4ECC-379A-40CF-95FC-6E111FF4CE56}" type="datetimeFigureOut">
               <a:rPr lang="en-US" smtClean="0"/>
-              <a:t>11/4/2022</a:t>
+              <a:t>12/25/2022</a:t>
             </a:fld>
             <a:endParaRPr lang="en-US"/>
           </a:p>
@@ -1187,7 +1192,7 @@
           <a:p>
             <a:fld id="{5A136E18-8F50-4E0F-819B-B69861FC7140}" type="slidenum">
               <a:rPr lang="en-US" smtClean="0"/>
-              <a:t>‹#›</a:t>
+              <a:t>‹Nr.›</a:t>
             </a:fld>
             <a:endParaRPr lang="en-US"/>
           </a:p>
@@ -1398,7 +1403,7 @@
           <a:p>
             <a:fld id="{60AF4ECC-379A-40CF-95FC-6E111FF4CE56}" type="datetimeFigureOut">
               <a:rPr lang="en-US" smtClean="0"/>
-              <a:t>11/4/2022</a:t>
+              <a:t>12/25/2022</a:t>
             </a:fld>
             <a:endParaRPr lang="en-US"/>
           </a:p>
@@ -1452,7 +1457,7 @@
           <a:p>
             <a:fld id="{5A136E18-8F50-4E0F-819B-B69861FC7140}" type="slidenum">
               <a:rPr lang="en-US" smtClean="0"/>
-              <a:t>‹#›</a:t>
+              <a:t>‹Nr.›</a:t>
             </a:fld>
             <a:endParaRPr lang="en-US"/>
           </a:p>
@@ -1810,7 +1815,7 @@
           <a:p>
             <a:fld id="{60AF4ECC-379A-40CF-95FC-6E111FF4CE56}" type="datetimeFigureOut">
               <a:rPr lang="en-US" smtClean="0"/>
-              <a:t>11/4/2022</a:t>
+              <a:t>12/25/2022</a:t>
             </a:fld>
             <a:endParaRPr lang="en-US"/>
           </a:p>
@@ -1864,7 +1869,7 @@
           <a:p>
             <a:fld id="{5A136E18-8F50-4E0F-819B-B69861FC7140}" type="slidenum">
               <a:rPr lang="en-US" smtClean="0"/>
-              <a:t>‹#›</a:t>
+              <a:t>‹Nr.›</a:t>
             </a:fld>
             <a:endParaRPr lang="en-US"/>
           </a:p>
@@ -1951,7 +1956,7 @@
           <a:p>
             <a:fld id="{60AF4ECC-379A-40CF-95FC-6E111FF4CE56}" type="datetimeFigureOut">
               <a:rPr lang="en-US" smtClean="0"/>
-              <a:t>11/4/2022</a:t>
+              <a:t>12/25/2022</a:t>
             </a:fld>
             <a:endParaRPr lang="en-US"/>
           </a:p>
@@ -2005,7 +2010,7 @@
           <a:p>
             <a:fld id="{5A136E18-8F50-4E0F-819B-B69861FC7140}" type="slidenum">
               <a:rPr lang="en-US" smtClean="0"/>
-              <a:t>‹#›</a:t>
+              <a:t>‹Nr.›</a:t>
             </a:fld>
             <a:endParaRPr lang="en-US"/>
           </a:p>
@@ -2064,7 +2069,7 @@
           <a:p>
             <a:fld id="{60AF4ECC-379A-40CF-95FC-6E111FF4CE56}" type="datetimeFigureOut">
               <a:rPr lang="en-US" smtClean="0"/>
-              <a:t>11/4/2022</a:t>
+              <a:t>12/25/2022</a:t>
             </a:fld>
             <a:endParaRPr lang="en-US"/>
           </a:p>
@@ -2118,7 +2123,7 @@
           <a:p>
             <a:fld id="{5A136E18-8F50-4E0F-819B-B69861FC7140}" type="slidenum">
               <a:rPr lang="en-US" smtClean="0"/>
-              <a:t>‹#›</a:t>
+              <a:t>‹Nr.›</a:t>
             </a:fld>
             <a:endParaRPr lang="en-US"/>
           </a:p>
@@ -2375,7 +2380,7 @@
           <a:p>
             <a:fld id="{60AF4ECC-379A-40CF-95FC-6E111FF4CE56}" type="datetimeFigureOut">
               <a:rPr lang="en-US" smtClean="0"/>
-              <a:t>11/4/2022</a:t>
+              <a:t>12/25/2022</a:t>
             </a:fld>
             <a:endParaRPr lang="en-US"/>
           </a:p>
@@ -2429,7 +2434,7 @@
           <a:p>
             <a:fld id="{5A136E18-8F50-4E0F-819B-B69861FC7140}" type="slidenum">
               <a:rPr lang="en-US" smtClean="0"/>
-              <a:t>‹#›</a:t>
+              <a:t>‹Nr.›</a:t>
             </a:fld>
             <a:endParaRPr lang="en-US"/>
           </a:p>
@@ -2663,7 +2668,7 @@
           <a:p>
             <a:fld id="{60AF4ECC-379A-40CF-95FC-6E111FF4CE56}" type="datetimeFigureOut">
               <a:rPr lang="en-US" smtClean="0"/>
-              <a:t>11/4/2022</a:t>
+              <a:t>12/25/2022</a:t>
             </a:fld>
             <a:endParaRPr lang="en-US"/>
           </a:p>
@@ -2717,7 +2722,7 @@
           <a:p>
             <a:fld id="{5A136E18-8F50-4E0F-819B-B69861FC7140}" type="slidenum">
               <a:rPr lang="en-US" smtClean="0"/>
-              <a:t>‹#›</a:t>
+              <a:t>‹Nr.›</a:t>
             </a:fld>
             <a:endParaRPr lang="en-US"/>
           </a:p>
@@ -2904,7 +2909,7 @@
           <a:p>
             <a:fld id="{60AF4ECC-379A-40CF-95FC-6E111FF4CE56}" type="datetimeFigureOut">
               <a:rPr lang="en-US" smtClean="0"/>
-              <a:t>11/4/2022</a:t>
+              <a:t>12/25/2022</a:t>
             </a:fld>
             <a:endParaRPr lang="en-US"/>
           </a:p>
@@ -2994,7 +2999,7 @@
           <a:p>
             <a:fld id="{5A136E18-8F50-4E0F-819B-B69861FC7140}" type="slidenum">
               <a:rPr lang="en-US" smtClean="0"/>
-              <a:t>‹#›</a:t>
+              <a:t>‹Nr.›</a:t>
             </a:fld>
             <a:endParaRPr lang="en-US"/>
           </a:p>
@@ -3323,6 +3328,124 @@
       </p:grpSpPr>
       <p:sp>
         <p:nvSpPr>
+          <p:cNvPr id="5" name="AutoShape 3">
+            <a:extLst>
+              <a:ext uri="{FF2B5EF4-FFF2-40B4-BE49-F238E27FC236}">
+                <a16:creationId xmlns:a16="http://schemas.microsoft.com/office/drawing/2014/main" id="{5A5E3B97-6FF2-4872-85FD-593BF878FAFA}"/>
+              </a:ext>
+            </a:extLst>
+          </p:cNvPr>
+          <p:cNvSpPr/>
+          <p:nvPr/>
+        </p:nvSpPr>
+        <p:spPr>
+          <a:xfrm>
+            <a:off x="1023457" y="1513389"/>
+            <a:ext cx="1333849" cy="566257"/>
+          </a:xfrm>
+          <a:prstGeom prst="rect">
+            <a:avLst/>
+          </a:prstGeom>
+          <a:noFill/>
+          <a:ln w="28575">
+            <a:solidFill>
+              <a:srgbClr val="00B050"/>
+            </a:solidFill>
+          </a:ln>
+        </p:spPr>
+        <p:style>
+          <a:lnRef idx="2">
+            <a:schemeClr val="accent1">
+              <a:shade val="50000"/>
+            </a:schemeClr>
+          </a:lnRef>
+          <a:fillRef idx="1">
+            <a:schemeClr val="accent1"/>
+          </a:fillRef>
+          <a:effectRef idx="0">
+            <a:schemeClr val="accent1"/>
+          </a:effectRef>
+          <a:fontRef idx="minor">
+            <a:schemeClr val="lt1"/>
+          </a:fontRef>
+        </p:style>
+        <p:txBody>
+          <a:bodyPr rtlCol="0" anchor="ctr"/>
+          <a:lstStyle/>
+          <a:p>
+            <a:pPr algn="ctr"/>
+            <a:r>
+              <a:rPr lang="en-US" sz="1600" dirty="0">
+                <a:solidFill>
+                  <a:schemeClr val="tx1"/>
+                </a:solidFill>
+              </a:rPr>
+              <a:t>AutoShape 3</a:t>
+            </a:r>
+          </a:p>
+        </p:txBody>
+      </p:sp>
+      <p:sp>
+        <p:nvSpPr>
+          <p:cNvPr id="6" name="AutoShape 2">
+            <a:extLst>
+              <a:ext uri="{FF2B5EF4-FFF2-40B4-BE49-F238E27FC236}">
+                <a16:creationId xmlns:a16="http://schemas.microsoft.com/office/drawing/2014/main" id="{308BC320-582B-30A8-08E9-936A99C33F02}"/>
+              </a:ext>
+            </a:extLst>
+          </p:cNvPr>
+          <p:cNvSpPr/>
+          <p:nvPr/>
+        </p:nvSpPr>
+        <p:spPr>
+          <a:xfrm>
+            <a:off x="2622766" y="721453"/>
+            <a:ext cx="1663763" cy="489283"/>
+          </a:xfrm>
+          <a:prstGeom prst="ellipse">
+            <a:avLst/>
+          </a:prstGeom>
+          <a:noFill/>
+          <a:ln>
+            <a:solidFill>
+              <a:schemeClr val="tx1"/>
+            </a:solidFill>
+          </a:ln>
+        </p:spPr>
+        <p:style>
+          <a:lnRef idx="2">
+            <a:schemeClr val="accent1">
+              <a:shade val="50000"/>
+            </a:schemeClr>
+          </a:lnRef>
+          <a:fillRef idx="1">
+            <a:schemeClr val="accent1"/>
+          </a:fillRef>
+          <a:effectRef idx="0">
+            <a:schemeClr val="accent1"/>
+          </a:effectRef>
+          <a:fontRef idx="minor">
+            <a:schemeClr val="lt1"/>
+          </a:fontRef>
+        </p:style>
+        <p:txBody>
+          <a:bodyPr rtlCol="0" anchor="ctr"/>
+          <a:lstStyle/>
+          <a:p>
+            <a:pPr algn="ctr"/>
+            <a:r>
+              <a:rPr lang="en-US" sz="1400" dirty="0">
+                <a:solidFill>
+                  <a:schemeClr val="tx1"/>
+                </a:solidFill>
+              </a:rPr>
+              <a:t>AutoShape 2</a:t>
+            </a:r>
+          </a:p>
+        </p:txBody>
+      </p:sp>
+      <p:sp>
+        <p:nvSpPr>
           <p:cNvPr id="4" name="AutoShape 1">
             <a:extLst>
               <a:ext uri="{FF2B5EF4-FFF2-40B4-BE49-F238E27FC236}">
@@ -3376,65 +3499,6 @@
                 </a:solidFill>
               </a:rPr>
               <a:t>AutoShape 1</a:t>
-            </a:r>
-          </a:p>
-        </p:txBody>
-      </p:sp>
-      <p:sp>
-        <p:nvSpPr>
-          <p:cNvPr id="6" name="AutoShape 2">
-            <a:extLst>
-              <a:ext uri="{FF2B5EF4-FFF2-40B4-BE49-F238E27FC236}">
-                <a16:creationId xmlns:a16="http://schemas.microsoft.com/office/drawing/2014/main" id="{308BC320-582B-30A8-08E9-936A99C33F02}"/>
-              </a:ext>
-            </a:extLst>
-          </p:cNvPr>
-          <p:cNvSpPr/>
-          <p:nvPr/>
-        </p:nvSpPr>
-        <p:spPr>
-          <a:xfrm>
-            <a:off x="2622766" y="721453"/>
-            <a:ext cx="1663763" cy="489283"/>
-          </a:xfrm>
-          <a:prstGeom prst="ellipse">
-            <a:avLst/>
-          </a:prstGeom>
-          <a:noFill/>
-          <a:ln>
-            <a:solidFill>
-              <a:schemeClr val="tx1"/>
-            </a:solidFill>
-          </a:ln>
-        </p:spPr>
-        <p:style>
-          <a:lnRef idx="2">
-            <a:schemeClr val="accent1">
-              <a:shade val="50000"/>
-            </a:schemeClr>
-          </a:lnRef>
-          <a:fillRef idx="1">
-            <a:schemeClr val="accent1"/>
-          </a:fillRef>
-          <a:effectRef idx="0">
-            <a:schemeClr val="accent1"/>
-          </a:effectRef>
-          <a:fontRef idx="minor">
-            <a:schemeClr val="lt1"/>
-          </a:fontRef>
-        </p:style>
-        <p:txBody>
-          <a:bodyPr rtlCol="0" anchor="ctr"/>
-          <a:lstStyle/>
-          <a:p>
-            <a:pPr algn="ctr"/>
-            <a:r>
-              <a:rPr lang="en-US" sz="1400" dirty="0">
-                <a:solidFill>
-                  <a:schemeClr val="tx1"/>
-                </a:solidFill>
-              </a:rPr>
-              <a:t>AutoShape 2</a:t>
             </a:r>
           </a:p>
         </p:txBody>
